--- a/xuan_1208.pptx
+++ b/xuan_1208.pptx
@@ -12,13 +12,14 @@
     <p:sldId id="292" r:id="rId5"/>
     <p:sldId id="296" r:id="rId6"/>
     <p:sldId id="301" r:id="rId7"/>
-    <p:sldId id="299" r:id="rId8"/>
-    <p:sldId id="287" r:id="rId9"/>
+    <p:sldId id="304" r:id="rId8"/>
+    <p:sldId id="299" r:id="rId9"/>
+    <p:sldId id="287" r:id="rId10"/>
   </p:sldIdLst>
   <p:sldSz cx="12192000" cy="6858000"/>
   <p:notesSz cx="6858000" cy="9144000"/>
   <p:custDataLst>
-    <p:tags r:id="rId14"/>
+    <p:tags r:id="rId15"/>
   </p:custDataLst>
   <p:defaultTextStyle>
     <a:defPPr>
@@ -123,7 +124,7 @@
             <a:srgbClr val="A4A3A4"/>
           </p15:clr>
         </p15:guide>
-        <p15:guide id="2" pos="3846" userDrawn="1">
+        <p15:guide id="2" pos="3811" userDrawn="1">
           <p15:clr>
             <a:srgbClr val="A4A3A4"/>
           </p15:clr>
@@ -13722,6 +13723,119 @@
         </p:nvSpPr>
         <p:spPr>
           <a:xfrm>
+            <a:off x="384695" y="405231"/>
+            <a:ext cx="11441391" cy="840400"/>
+          </a:xfrm>
+        </p:spPr>
+        <p:txBody>
+          <a:bodyPr>
+            <a:noAutofit/>
+          </a:bodyPr>
+          <a:p>
+            <a:pPr algn="l" fontAlgn="auto"/>
+            <a:r>
+              <a:rPr lang="en-US" sz="2400">
+                <a:ea typeface="Apple LiSung" charset="-120"/>
+                <a:cs typeface="+mn-lt"/>
+                <a:sym typeface="+mn-ea"/>
+              </a:rPr>
+              <a:t>What  to do next</a:t>
+            </a:r>
+            <a:endParaRPr lang="en-US" sz="2400">
+              <a:ea typeface="Apple LiSung" charset="-120"/>
+              <a:cs typeface="+mn-lt"/>
+              <a:sym typeface="+mn-ea"/>
+            </a:endParaRPr>
+          </a:p>
+        </p:txBody>
+      </p:sp>
+      <p:pic>
+        <p:nvPicPr>
+          <p:cNvPr id="3" name="Picture 1" descr="Screenshot 2024-12-08 at 00.03.17"/>
+          <p:cNvPicPr>
+            <a:picLocks noChangeAspect="1"/>
+          </p:cNvPicPr>
+          <p:nvPr/>
+        </p:nvPicPr>
+        <p:blipFill>
+          <a:blip r:embed="rId1"/>
+          <a:stretch>
+            <a:fillRect/>
+          </a:stretch>
+        </p:blipFill>
+        <p:spPr>
+          <a:xfrm>
+            <a:off x="828675" y="2047240"/>
+            <a:ext cx="4049395" cy="3245485"/>
+          </a:xfrm>
+          <a:prstGeom prst="rect">
+            <a:avLst/>
+          </a:prstGeom>
+        </p:spPr>
+      </p:pic>
+      <p:sp>
+        <p:nvSpPr>
+          <p:cNvPr id="7" name="Text Box 6"/>
+          <p:cNvSpPr txBox="1"/>
+          <p:nvPr/>
+        </p:nvSpPr>
+        <p:spPr>
+          <a:xfrm>
+            <a:off x="5664200" y="2059305"/>
+            <a:ext cx="5614670" cy="922020"/>
+          </a:xfrm>
+          <a:prstGeom prst="rect">
+            <a:avLst/>
+          </a:prstGeom>
+          <a:noFill/>
+        </p:spPr>
+        <p:txBody>
+          <a:bodyPr wrap="square" rtlCol="0">
+            <a:spAutoFit/>
+          </a:bodyPr>
+          <a:p>
+            <a:r>
+              <a:t>1. Analyze AoA statistics p(theta|y)</a:t>
+            </a:r>
+          </a:p>
+          <a:p/>
+          <a:p>
+            <a:r>
+              <a:t>2. Build a realistic 3D model of environment</a:t>
+            </a:r>
+          </a:p>
+        </p:txBody>
+      </p:sp>
+    </p:spTree>
+  </p:cSld>
+  <p:clrMapOvr>
+    <a:masterClrMapping/>
+  </p:clrMapOvr>
+</p:sld>
+</file>
+
+<file path=ppt/slides/slide6.xml><?xml version="1.0" encoding="utf-8"?>
+<p:sld xmlns:a="http://schemas.openxmlformats.org/drawingml/2006/main" xmlns:r="http://schemas.openxmlformats.org/officeDocument/2006/relationships" xmlns:p="http://schemas.openxmlformats.org/presentationml/2006/main">
+  <p:cSld>
+    <p:spTree>
+      <p:nvGrpSpPr>
+        <p:cNvPr id="1" name=""/>
+        <p:cNvGrpSpPr/>
+        <p:nvPr/>
+      </p:nvGrpSpPr>
+      <p:grpSpPr/>
+      <p:sp>
+        <p:nvSpPr>
+          <p:cNvPr id="2" name="Title 1"/>
+          <p:cNvSpPr>
+            <a:spLocks noGrp="1"/>
+          </p:cNvSpPr>
+          <p:nvPr>
+            <p:ph type="title"/>
+          </p:nvPr>
+        </p:nvSpPr>
+        <p:spPr>
+          <a:xfrm>
             <a:off x="384695" y="427456"/>
             <a:ext cx="11441391" cy="840400"/>
           </a:xfrm>
@@ -13835,7 +13949,7 @@
 </p:sld>
 </file>
 
-<file path=ppt/slides/slide6.xml><?xml version="1.0" encoding="utf-8"?>
+<file path=ppt/slides/slide7.xml><?xml version="1.0" encoding="utf-8"?>
 <p:sld xmlns:a="http://schemas.openxmlformats.org/drawingml/2006/main" xmlns:r="http://schemas.openxmlformats.org/officeDocument/2006/relationships" xmlns:p="http://schemas.openxmlformats.org/presentationml/2006/main">
   <p:cSld>
     <p:spTree>

--- a/xuan_1208.pptx
+++ b/xuan_1208.pptx
@@ -13782,7 +13782,7 @@
         <p:spPr>
           <a:xfrm>
             <a:off x="5664200" y="2059305"/>
-            <a:ext cx="5614670" cy="922020"/>
+            <a:ext cx="5614670" cy="1476375"/>
           </a:xfrm>
           <a:prstGeom prst="rect">
             <a:avLst/>
@@ -13803,6 +13803,14 @@
             <a:r>
               <a:t>2. Build a realistic 3D model of environment</a:t>
             </a:r>
+          </a:p>
+          <a:p/>
+          <a:p>
+            <a:r>
+              <a:rPr lang="en-US"/>
+              <a:t>3. Collecting  the rays crossing</a:t>
+            </a:r>
+            <a:endParaRPr lang="en-US"/>
           </a:p>
         </p:txBody>
       </p:sp>
